--- a/docs/Sprint3/Apresentação/LAPR4_Presentation.pptx
+++ b/docs/Sprint3/Apresentação/LAPR4_Presentation.pptx
@@ -213,7 +213,7 @@
           <a:p>
             <a:fld id="{4DA0771A-9865-0D48-A2E4-B1A2C8DA0A73}" type="datetimeFigureOut">
               <a:rPr lang="pt-PT" smtClean="0"/>
-              <a:t>27/05/22</a:t>
+              <a:t>29/05/22</a:t>
             </a:fld>
             <a:endParaRPr lang="pt-PT"/>
           </a:p>
@@ -711,7 +711,7 @@
           <a:p>
             <a:fld id="{2EC60D11-55A1-B540-BC89-A274F4130349}" type="datetimeFigureOut">
               <a:rPr lang="pt-PT" smtClean="0"/>
-              <a:t>27/05/22</a:t>
+              <a:t>29/05/22</a:t>
             </a:fld>
             <a:endParaRPr lang="pt-PT"/>
           </a:p>
@@ -909,7 +909,7 @@
           <a:p>
             <a:fld id="{2EC60D11-55A1-B540-BC89-A274F4130349}" type="datetimeFigureOut">
               <a:rPr lang="pt-PT" smtClean="0"/>
-              <a:t>27/05/22</a:t>
+              <a:t>29/05/22</a:t>
             </a:fld>
             <a:endParaRPr lang="pt-PT"/>
           </a:p>
@@ -1117,7 +1117,7 @@
           <a:p>
             <a:fld id="{2EC60D11-55A1-B540-BC89-A274F4130349}" type="datetimeFigureOut">
               <a:rPr lang="pt-PT" smtClean="0"/>
-              <a:t>27/05/22</a:t>
+              <a:t>29/05/22</a:t>
             </a:fld>
             <a:endParaRPr lang="pt-PT"/>
           </a:p>
@@ -1315,7 +1315,7 @@
           <a:p>
             <a:fld id="{2EC60D11-55A1-B540-BC89-A274F4130349}" type="datetimeFigureOut">
               <a:rPr lang="pt-PT" smtClean="0"/>
-              <a:t>27/05/22</a:t>
+              <a:t>29/05/22</a:t>
             </a:fld>
             <a:endParaRPr lang="pt-PT"/>
           </a:p>
@@ -1590,7 +1590,7 @@
           <a:p>
             <a:fld id="{2EC60D11-55A1-B540-BC89-A274F4130349}" type="datetimeFigureOut">
               <a:rPr lang="pt-PT" smtClean="0"/>
-              <a:t>27/05/22</a:t>
+              <a:t>29/05/22</a:t>
             </a:fld>
             <a:endParaRPr lang="pt-PT"/>
           </a:p>
@@ -1855,7 +1855,7 @@
           <a:p>
             <a:fld id="{2EC60D11-55A1-B540-BC89-A274F4130349}" type="datetimeFigureOut">
               <a:rPr lang="pt-PT" smtClean="0"/>
-              <a:t>27/05/22</a:t>
+              <a:t>29/05/22</a:t>
             </a:fld>
             <a:endParaRPr lang="pt-PT"/>
           </a:p>
@@ -2267,7 +2267,7 @@
           <a:p>
             <a:fld id="{2EC60D11-55A1-B540-BC89-A274F4130349}" type="datetimeFigureOut">
               <a:rPr lang="pt-PT" smtClean="0"/>
-              <a:t>27/05/22</a:t>
+              <a:t>29/05/22</a:t>
             </a:fld>
             <a:endParaRPr lang="pt-PT"/>
           </a:p>
@@ -2408,7 +2408,7 @@
           <a:p>
             <a:fld id="{2EC60D11-55A1-B540-BC89-A274F4130349}" type="datetimeFigureOut">
               <a:rPr lang="pt-PT" smtClean="0"/>
-              <a:t>27/05/22</a:t>
+              <a:t>29/05/22</a:t>
             </a:fld>
             <a:endParaRPr lang="pt-PT"/>
           </a:p>
@@ -2521,7 +2521,7 @@
           <a:p>
             <a:fld id="{2EC60D11-55A1-B540-BC89-A274F4130349}" type="datetimeFigureOut">
               <a:rPr lang="pt-PT" smtClean="0"/>
-              <a:t>27/05/22</a:t>
+              <a:t>29/05/22</a:t>
             </a:fld>
             <a:endParaRPr lang="pt-PT"/>
           </a:p>
@@ -2832,7 +2832,7 @@
           <a:p>
             <a:fld id="{2EC60D11-55A1-B540-BC89-A274F4130349}" type="datetimeFigureOut">
               <a:rPr lang="pt-PT" smtClean="0"/>
-              <a:t>27/05/22</a:t>
+              <a:t>29/05/22</a:t>
             </a:fld>
             <a:endParaRPr lang="pt-PT"/>
           </a:p>
@@ -3120,7 +3120,7 @@
           <a:p>
             <a:fld id="{2EC60D11-55A1-B540-BC89-A274F4130349}" type="datetimeFigureOut">
               <a:rPr lang="pt-PT" smtClean="0"/>
-              <a:t>27/05/22</a:t>
+              <a:t>29/05/22</a:t>
             </a:fld>
             <a:endParaRPr lang="pt-PT"/>
           </a:p>
@@ -3361,7 +3361,7 @@
           <a:p>
             <a:fld id="{2EC60D11-55A1-B540-BC89-A274F4130349}" type="datetimeFigureOut">
               <a:rPr lang="pt-PT" smtClean="0"/>
-              <a:t>27/05/22</a:t>
+              <a:t>29/05/22</a:t>
             </a:fld>
             <a:endParaRPr lang="pt-PT"/>
           </a:p>
@@ -4650,7 +4650,7 @@
           <p:nvPr>
             <p:extLst>
               <p:ext uri="{D42A27DB-BD31-4B8C-83A1-F6EECF244321}">
-                <p14:modId xmlns:p14="http://schemas.microsoft.com/office/powerpoint/2010/main" val="345278566"/>
+                <p14:modId xmlns:p14="http://schemas.microsoft.com/office/powerpoint/2010/main" val="304843686"/>
               </p:ext>
             </p:extLst>
           </p:nvPr>
@@ -5177,7 +5177,7 @@
                           <a:latin typeface="+mj-lt"/>
                           <a:cs typeface="Arial" pitchFamily="34" charset="0"/>
                         </a:rPr>
-                        <a:t>85%</a:t>
+                        <a:t>87%</a:t>
                       </a:r>
                     </a:p>
                   </a:txBody>
@@ -5889,7 +5889,7 @@
           <p:nvPr>
             <p:extLst>
               <p:ext uri="{D42A27DB-BD31-4B8C-83A1-F6EECF244321}">
-                <p14:modId xmlns:p14="http://schemas.microsoft.com/office/powerpoint/2010/main" val="3907602054"/>
+                <p14:modId xmlns:p14="http://schemas.microsoft.com/office/powerpoint/2010/main" val="2661096390"/>
               </p:ext>
             </p:extLst>
           </p:nvPr>
@@ -6554,7 +6554,7 @@
                           </a:solidFill>
                           <a:latin typeface="+mj-lt"/>
                         </a:rPr>
-                        <a:t>85%</a:t>
+                        <a:t>87%</a:t>
                       </a:r>
                     </a:p>
                   </a:txBody>
@@ -8314,7 +8314,7 @@
                           </a:solidFill>
                           <a:latin typeface="+mj-lt"/>
                         </a:rPr>
-                        <a:t>80%</a:t>
+                        <a:t>95%</a:t>
                       </a:r>
                     </a:p>
                   </a:txBody>
@@ -8749,7 +8749,7 @@
                           </a:solidFill>
                           <a:latin typeface="+mj-lt"/>
                         </a:rPr>
-                        <a:t>85%</a:t>
+                        <a:t>100%</a:t>
                       </a:r>
                     </a:p>
                   </a:txBody>
@@ -9182,7 +9182,7 @@
                           </a:solidFill>
                           <a:latin typeface="+mj-lt"/>
                         </a:rPr>
-                        <a:t>75%</a:t>
+                        <a:t>90%</a:t>
                       </a:r>
                     </a:p>
                   </a:txBody>
@@ -9613,7 +9613,7 @@
                           </a:solidFill>
                           <a:latin typeface="+mj-lt"/>
                         </a:rPr>
-                        <a:t>85%</a:t>
+                        <a:t>100%</a:t>
                       </a:r>
                     </a:p>
                   </a:txBody>
@@ -9902,7 +9902,7 @@
                           </a:solidFill>
                           <a:latin typeface="+mj-lt"/>
                         </a:rPr>
-                        <a:t>80%</a:t>
+                        <a:t>100%</a:t>
                       </a:r>
                     </a:p>
                   </a:txBody>
@@ -10264,25 +10264,7 @@
                           </a:solidFill>
                           <a:latin typeface="+mj-lt"/>
                         </a:rPr>
-                        <a:t>8</a:t>
-                      </a:r>
-                      <a:r>
-                        <a:rPr lang="pt-PT" sz="1100" b="0" i="0" u="none" strike="noStrike">
-                          <a:solidFill>
-                            <a:schemeClr val="tx1"/>
-                          </a:solidFill>
-                          <a:latin typeface="+mj-lt"/>
-                        </a:rPr>
-                        <a:t>5</a:t>
-                      </a:r>
-                      <a:r>
-                        <a:rPr lang="pt-PT" sz="1100" b="0" i="0" u="none" strike="noStrike" dirty="0">
-                          <a:solidFill>
-                            <a:schemeClr val="tx1"/>
-                          </a:solidFill>
-                          <a:latin typeface="+mj-lt"/>
-                        </a:rPr>
-                        <a:t>%</a:t>
+                        <a:t>100%</a:t>
                       </a:r>
                     </a:p>
                   </a:txBody>
@@ -10715,7 +10697,7 @@
                           </a:solidFill>
                           <a:latin typeface="+mj-lt"/>
                         </a:rPr>
-                        <a:t>80%</a:t>
+                        <a:t>85%</a:t>
                       </a:r>
                     </a:p>
                   </a:txBody>
@@ -11144,20 +11126,14 @@
                     <a:p>
                       <a:pPr algn="ctr" rtl="0" fontAlgn="ctr"/>
                       <a:r>
-                        <a:rPr lang="pt-PT" sz="1100" b="0" i="0" u="none" strike="noStrike">
+                        <a:rPr lang="pt-PT" sz="1100" b="0" i="0" u="none" strike="noStrike" dirty="0">
                           <a:solidFill>
                             <a:schemeClr val="tx1"/>
                           </a:solidFill>
                           <a:latin typeface="+mj-lt"/>
                         </a:rPr>
-                        <a:t>75%</a:t>
-                      </a:r>
-                      <a:endParaRPr lang="pt-PT" sz="1100" b="0" i="0" u="none" strike="noStrike" dirty="0">
-                        <a:solidFill>
-                          <a:schemeClr val="tx1"/>
-                        </a:solidFill>
-                        <a:latin typeface="+mj-lt"/>
-                      </a:endParaRPr>
+                        <a:t>80%</a:t>
+                      </a:r>
                     </a:p>
                   </a:txBody>
                   <a:tcPr marL="4060" marR="4060" marT="4060" marB="0" anchor="ctr">
@@ -11445,7 +11421,7 @@
                           </a:solidFill>
                           <a:latin typeface="+mj-lt"/>
                         </a:rPr>
-                        <a:t>80%</a:t>
+                        <a:t>90%</a:t>
                       </a:r>
                     </a:p>
                   </a:txBody>
@@ -12309,7 +12285,7 @@
                           </a:solidFill>
                           <a:latin typeface="+mj-lt"/>
                         </a:rPr>
-                        <a:t>90%</a:t>
+                        <a:t>85%</a:t>
                       </a:r>
                     </a:p>
                   </a:txBody>
@@ -12525,7 +12501,7 @@
                           </a:solidFill>
                           <a:latin typeface="+mj-lt"/>
                         </a:rPr>
-                        <a:t>95%</a:t>
+                        <a:t>80%</a:t>
                       </a:r>
                     </a:p>
                   </a:txBody>
@@ -12957,7 +12933,7 @@
                           </a:solidFill>
                           <a:latin typeface="+mj-lt"/>
                         </a:rPr>
-                        <a:t>90%</a:t>
+                        <a:t>85%</a:t>
                       </a:r>
                     </a:p>
                   </a:txBody>
@@ -13166,12 +13142,15 @@
                     <a:lstStyle/>
                     <a:p>
                       <a:pPr algn="ctr" rtl="0" fontAlgn="ctr"/>
-                      <a:endParaRPr lang="pt-PT" sz="1100" b="1" i="0" u="none" strike="noStrike" dirty="0">
-                        <a:solidFill>
-                          <a:schemeClr val="tx1"/>
-                        </a:solidFill>
-                        <a:latin typeface="+mj-lt"/>
-                      </a:endParaRPr>
+                      <a:r>
+                        <a:rPr lang="pt-PT" sz="1100" b="1" i="0" u="none" strike="noStrike" dirty="0">
+                          <a:solidFill>
+                            <a:schemeClr val="tx1"/>
+                          </a:solidFill>
+                          <a:latin typeface="+mj-lt"/>
+                        </a:rPr>
+                        <a:t>90%</a:t>
+                      </a:r>
                     </a:p>
                   </a:txBody>
                   <a:tcPr marL="4060" marR="4060" marT="4060" marB="0" anchor="ctr">
@@ -13386,7 +13365,7 @@
                           </a:solidFill>
                           <a:latin typeface="+mj-lt"/>
                         </a:rPr>
-                        <a:t>90%</a:t>
+                        <a:t>80%</a:t>
                       </a:r>
                     </a:p>
                   </a:txBody>
@@ -13812,13 +13791,13 @@
                     <a:p>
                       <a:pPr algn="ctr" rtl="0" fontAlgn="ctr"/>
                       <a:r>
-                        <a:rPr lang="pt-PT" sz="1100" b="1" i="0" u="none" strike="noStrike" dirty="0">
+                        <a:rPr lang="pt-PT" sz="1100" b="0" i="0" u="none" strike="noStrike" dirty="0">
                           <a:solidFill>
                             <a:schemeClr val="tx1"/>
                           </a:solidFill>
                           <a:latin typeface="+mj-lt"/>
                         </a:rPr>
-                        <a:t>100%</a:t>
+                        <a:t>95%</a:t>
                       </a:r>
                     </a:p>
                   </a:txBody>
@@ -14027,12 +14006,15 @@
                     <a:lstStyle/>
                     <a:p>
                       <a:pPr algn="ctr" rtl="0" fontAlgn="ctr"/>
-                      <a:endParaRPr lang="pt-PT" sz="1100" b="1" i="0" u="none" strike="noStrike" dirty="0">
-                        <a:solidFill>
-                          <a:schemeClr val="tx1"/>
-                        </a:solidFill>
-                        <a:latin typeface="+mj-lt"/>
-                      </a:endParaRPr>
+                      <a:r>
+                        <a:rPr lang="pt-PT" sz="1100" b="0" i="0" u="none" strike="noStrike" dirty="0">
+                          <a:solidFill>
+                            <a:schemeClr val="tx1"/>
+                          </a:solidFill>
+                          <a:latin typeface="+mj-lt"/>
+                        </a:rPr>
+                        <a:t>95%</a:t>
+                      </a:r>
                     </a:p>
                   </a:txBody>
                   <a:tcPr marL="4060" marR="4060" marT="4060" marB="0" anchor="ctr">
@@ -14240,12 +14222,15 @@
                     <a:lstStyle/>
                     <a:p>
                       <a:pPr algn="ctr" rtl="0" fontAlgn="ctr"/>
-                      <a:endParaRPr lang="pt-PT" sz="1100" b="1" i="0" u="none" strike="noStrike" dirty="0">
-                        <a:solidFill>
-                          <a:schemeClr val="tx1"/>
-                        </a:solidFill>
-                        <a:latin typeface="+mj-lt"/>
-                      </a:endParaRPr>
+                      <a:r>
+                        <a:rPr lang="pt-PT" sz="1100" b="1" i="0" u="none" strike="noStrike" dirty="0">
+                          <a:solidFill>
+                            <a:schemeClr val="tx1"/>
+                          </a:solidFill>
+                          <a:latin typeface="+mj-lt"/>
+                        </a:rPr>
+                        <a:t>90%</a:t>
+                      </a:r>
                     </a:p>
                   </a:txBody>
                   <a:tcPr marL="4060" marR="4060" marT="4060" marB="0" anchor="ctr">
@@ -14453,12 +14438,15 @@
                     <a:lstStyle/>
                     <a:p>
                       <a:pPr algn="ctr" rtl="0" fontAlgn="ctr"/>
-                      <a:endParaRPr lang="pt-PT" sz="1100" b="1" i="0" u="none" strike="noStrike" dirty="0">
-                        <a:solidFill>
-                          <a:schemeClr val="tx1"/>
-                        </a:solidFill>
-                        <a:latin typeface="+mj-lt"/>
-                      </a:endParaRPr>
+                      <a:r>
+                        <a:rPr lang="pt-PT" sz="1100" b="0" i="0" u="none" strike="noStrike" dirty="0">
+                          <a:solidFill>
+                            <a:schemeClr val="tx1"/>
+                          </a:solidFill>
+                          <a:latin typeface="+mj-lt"/>
+                        </a:rPr>
+                        <a:t>100%</a:t>
+                      </a:r>
                     </a:p>
                   </a:txBody>
                   <a:tcPr marL="4060" marR="4060" marT="4060" marB="0" anchor="ctr">
@@ -14667,13 +14655,13 @@
                     <a:p>
                       <a:pPr algn="ctr" rtl="0" fontAlgn="ctr"/>
                       <a:r>
-                        <a:rPr lang="pt-PT" sz="1100" b="1" i="0" u="none" strike="noStrike" dirty="0">
+                        <a:rPr lang="pt-PT" sz="1100" b="0" i="0" u="none" strike="noStrike" dirty="0">
                           <a:solidFill>
                             <a:schemeClr val="tx1"/>
                           </a:solidFill>
                           <a:latin typeface="+mj-lt"/>
                         </a:rPr>
-                        <a:t>90%</a:t>
+                        <a:t>80%</a:t>
                       </a:r>
                     </a:p>
                   </a:txBody>
@@ -14882,12 +14870,15 @@
                     <a:lstStyle/>
                     <a:p>
                       <a:pPr algn="ctr" rtl="0" fontAlgn="ctr"/>
-                      <a:endParaRPr lang="pt-PT" sz="1100" b="1" i="0" u="none" strike="noStrike" dirty="0">
-                        <a:solidFill>
-                          <a:schemeClr val="tx1"/>
-                        </a:solidFill>
-                        <a:latin typeface="+mj-lt"/>
-                      </a:endParaRPr>
+                      <a:r>
+                        <a:rPr lang="pt-PT" sz="1100" b="1" i="0" u="none" strike="noStrike" dirty="0">
+                          <a:solidFill>
+                            <a:schemeClr val="tx1"/>
+                          </a:solidFill>
+                          <a:latin typeface="+mj-lt"/>
+                        </a:rPr>
+                        <a:t>90%</a:t>
+                      </a:r>
                     </a:p>
                   </a:txBody>
                   <a:tcPr marL="4060" marR="4060" marT="4060" marB="0" anchor="ctr">
@@ -15095,12 +15086,15 @@
                     <a:lstStyle/>
                     <a:p>
                       <a:pPr algn="ctr" rtl="0" fontAlgn="ctr"/>
-                      <a:endParaRPr lang="pt-PT" sz="1100" b="1" i="0" u="none" strike="noStrike" dirty="0">
-                        <a:solidFill>
-                          <a:schemeClr val="tx1"/>
-                        </a:solidFill>
-                        <a:latin typeface="+mj-lt"/>
-                      </a:endParaRPr>
+                      <a:r>
+                        <a:rPr lang="pt-PT" sz="1100" b="0" i="0" u="none" strike="noStrike" dirty="0">
+                          <a:solidFill>
+                            <a:schemeClr val="tx1"/>
+                          </a:solidFill>
+                          <a:latin typeface="+mj-lt"/>
+                        </a:rPr>
+                        <a:t>90%</a:t>
+                      </a:r>
                     </a:p>
                   </a:txBody>
                   <a:tcPr marL="4060" marR="4060" marT="4060" marB="0" anchor="ctr">
@@ -15308,12 +15302,15 @@
                     <a:lstStyle/>
                     <a:p>
                       <a:pPr algn="ctr" rtl="0" fontAlgn="ctr"/>
-                      <a:endParaRPr lang="pt-PT" sz="1100" b="1" i="0" u="none" strike="noStrike" dirty="0">
-                        <a:solidFill>
-                          <a:schemeClr val="tx1"/>
-                        </a:solidFill>
-                        <a:latin typeface="+mj-lt"/>
-                      </a:endParaRPr>
+                      <a:r>
+                        <a:rPr lang="pt-PT" sz="1100" b="0" i="0" u="none" strike="noStrike" dirty="0">
+                          <a:solidFill>
+                            <a:schemeClr val="tx1"/>
+                          </a:solidFill>
+                          <a:latin typeface="+mj-lt"/>
+                        </a:rPr>
+                        <a:t>85%</a:t>
+                      </a:r>
                     </a:p>
                   </a:txBody>
                   <a:tcPr marL="4060" marR="4060" marT="4060" marB="0" anchor="ctr">
@@ -15467,7 +15464,7 @@
                     <a:p>
                       <a:pPr lvl="0" algn="l" rtl="0" fontAlgn="ctr"/>
                       <a:r>
-                        <a:rPr lang="pt-PT" sz="900" b="0" i="0" u="none" strike="noStrike" dirty="0">
+                        <a:rPr lang="pt-PT" sz="900" b="1" i="0" u="none" strike="noStrike" dirty="0">
                           <a:solidFill>
                             <a:srgbClr val="000000"/>
                           </a:solidFill>
@@ -15521,12 +15518,15 @@
                     <a:lstStyle/>
                     <a:p>
                       <a:pPr algn="ctr" rtl="0" fontAlgn="ctr"/>
-                      <a:endParaRPr lang="pt-PT" sz="1100" b="1" i="0" u="none" strike="noStrike" dirty="0">
-                        <a:solidFill>
-                          <a:schemeClr val="tx1"/>
-                        </a:solidFill>
-                        <a:latin typeface="+mj-lt"/>
-                      </a:endParaRPr>
+                      <a:r>
+                        <a:rPr lang="pt-PT" sz="1100" b="1" i="0" u="none" strike="noStrike" dirty="0">
+                          <a:solidFill>
+                            <a:schemeClr val="tx1"/>
+                          </a:solidFill>
+                          <a:latin typeface="+mj-lt"/>
+                        </a:rPr>
+                        <a:t>90%</a:t>
+                      </a:r>
                     </a:p>
                   </a:txBody>
                   <a:tcPr marL="4060" marR="4060" marT="4060" marB="0" anchor="ctr">
@@ -15734,12 +15734,15 @@
                     <a:lstStyle/>
                     <a:p>
                       <a:pPr algn="ctr" rtl="0" fontAlgn="ctr"/>
-                      <a:endParaRPr lang="pt-PT" sz="1100" b="1" i="0" u="none" strike="noStrike" dirty="0">
-                        <a:solidFill>
-                          <a:schemeClr val="tx1"/>
-                        </a:solidFill>
-                        <a:latin typeface="+mj-lt"/>
-                      </a:endParaRPr>
+                      <a:r>
+                        <a:rPr lang="pt-PT" sz="1100" b="0" i="0" u="none" strike="noStrike" dirty="0">
+                          <a:solidFill>
+                            <a:schemeClr val="tx1"/>
+                          </a:solidFill>
+                          <a:latin typeface="+mj-lt"/>
+                        </a:rPr>
+                        <a:t>85%</a:t>
+                      </a:r>
                     </a:p>
                   </a:txBody>
                   <a:tcPr marL="4060" marR="4060" marT="4060" marB="0" anchor="ctr">
@@ -15947,12 +15950,15 @@
                     <a:lstStyle/>
                     <a:p>
                       <a:pPr algn="ctr" rtl="0" fontAlgn="ctr"/>
-                      <a:endParaRPr lang="pt-PT" sz="1100" b="1" i="0" u="none" strike="noStrike" dirty="0">
-                        <a:solidFill>
-                          <a:schemeClr val="tx1"/>
-                        </a:solidFill>
-                        <a:latin typeface="+mj-lt"/>
-                      </a:endParaRPr>
+                      <a:r>
+                        <a:rPr lang="pt-PT" sz="1100" b="0" i="0" u="none" strike="noStrike" dirty="0">
+                          <a:solidFill>
+                            <a:schemeClr val="tx1"/>
+                          </a:solidFill>
+                          <a:latin typeface="+mj-lt"/>
+                        </a:rPr>
+                        <a:t>90%</a:t>
+                      </a:r>
                     </a:p>
                   </a:txBody>
                   <a:tcPr marL="4060" marR="4060" marT="4060" marB="0" anchor="ctr">
